--- a/images/architecture_consul.pptx
+++ b/images/architecture_consul.pptx
@@ -259,7 +259,7 @@
           <a:p>
             <a:fld id="{59509CB6-7E02-204D-BF0A-104E8471A1BF}" type="datetimeFigureOut">
               <a:rPr lang="en-US" smtClean="0"/>
-              <a:t>9/30/20</a:t>
+              <a:t>10/23/2020</a:t>
             </a:fld>
             <a:endParaRPr lang="en-US"/>
           </a:p>
@@ -457,7 +457,7 @@
           <a:p>
             <a:fld id="{59509CB6-7E02-204D-BF0A-104E8471A1BF}" type="datetimeFigureOut">
               <a:rPr lang="en-US" smtClean="0"/>
-              <a:t>9/30/20</a:t>
+              <a:t>10/23/2020</a:t>
             </a:fld>
             <a:endParaRPr lang="en-US"/>
           </a:p>
@@ -665,7 +665,7 @@
           <a:p>
             <a:fld id="{59509CB6-7E02-204D-BF0A-104E8471A1BF}" type="datetimeFigureOut">
               <a:rPr lang="en-US" smtClean="0"/>
-              <a:t>9/30/20</a:t>
+              <a:t>10/23/2020</a:t>
             </a:fld>
             <a:endParaRPr lang="en-US"/>
           </a:p>
@@ -863,7 +863,7 @@
           <a:p>
             <a:fld id="{59509CB6-7E02-204D-BF0A-104E8471A1BF}" type="datetimeFigureOut">
               <a:rPr lang="en-US" smtClean="0"/>
-              <a:t>9/30/20</a:t>
+              <a:t>10/23/2020</a:t>
             </a:fld>
             <a:endParaRPr lang="en-US"/>
           </a:p>
@@ -1138,7 +1138,7 @@
           <a:p>
             <a:fld id="{59509CB6-7E02-204D-BF0A-104E8471A1BF}" type="datetimeFigureOut">
               <a:rPr lang="en-US" smtClean="0"/>
-              <a:t>9/30/20</a:t>
+              <a:t>10/23/2020</a:t>
             </a:fld>
             <a:endParaRPr lang="en-US"/>
           </a:p>
@@ -1403,7 +1403,7 @@
           <a:p>
             <a:fld id="{59509CB6-7E02-204D-BF0A-104E8471A1BF}" type="datetimeFigureOut">
               <a:rPr lang="en-US" smtClean="0"/>
-              <a:t>9/30/20</a:t>
+              <a:t>10/23/2020</a:t>
             </a:fld>
             <a:endParaRPr lang="en-US"/>
           </a:p>
@@ -1815,7 +1815,7 @@
           <a:p>
             <a:fld id="{59509CB6-7E02-204D-BF0A-104E8471A1BF}" type="datetimeFigureOut">
               <a:rPr lang="en-US" smtClean="0"/>
-              <a:t>9/30/20</a:t>
+              <a:t>10/23/2020</a:t>
             </a:fld>
             <a:endParaRPr lang="en-US"/>
           </a:p>
@@ -1956,7 +1956,7 @@
           <a:p>
             <a:fld id="{59509CB6-7E02-204D-BF0A-104E8471A1BF}" type="datetimeFigureOut">
               <a:rPr lang="en-US" smtClean="0"/>
-              <a:t>9/30/20</a:t>
+              <a:t>10/23/2020</a:t>
             </a:fld>
             <a:endParaRPr lang="en-US"/>
           </a:p>
@@ -2069,7 +2069,7 @@
           <a:p>
             <a:fld id="{59509CB6-7E02-204D-BF0A-104E8471A1BF}" type="datetimeFigureOut">
               <a:rPr lang="en-US" smtClean="0"/>
-              <a:t>9/30/20</a:t>
+              <a:t>10/23/2020</a:t>
             </a:fld>
             <a:endParaRPr lang="en-US"/>
           </a:p>
@@ -2380,7 +2380,7 @@
           <a:p>
             <a:fld id="{59509CB6-7E02-204D-BF0A-104E8471A1BF}" type="datetimeFigureOut">
               <a:rPr lang="en-US" smtClean="0"/>
-              <a:t>9/30/20</a:t>
+              <a:t>10/23/2020</a:t>
             </a:fld>
             <a:endParaRPr lang="en-US"/>
           </a:p>
@@ -2668,7 +2668,7 @@
           <a:p>
             <a:fld id="{59509CB6-7E02-204D-BF0A-104E8471A1BF}" type="datetimeFigureOut">
               <a:rPr lang="en-US" smtClean="0"/>
-              <a:t>9/30/20</a:t>
+              <a:t>10/23/2020</a:t>
             </a:fld>
             <a:endParaRPr lang="en-US"/>
           </a:p>
@@ -2909,7 +2909,7 @@
           <a:p>
             <a:fld id="{59509CB6-7E02-204D-BF0A-104E8471A1BF}" type="datetimeFigureOut">
               <a:rPr lang="en-US" smtClean="0"/>
-              <a:t>9/30/20</a:t>
+              <a:t>10/23/2020</a:t>
             </a:fld>
             <a:endParaRPr lang="en-US"/>
           </a:p>
@@ -3396,7 +3396,7 @@
           <a:blip r:embed="rId2">
             <a:extLst>
               <a:ext uri="{96DAC541-7B7A-43D3-8B79-37D633B846F1}">
-                <asvg:svgBlip xmlns:asvg="http://schemas.microsoft.com/office/drawing/2016/SVG/main" r:embed="rId3"/>
+                <asvg:svgBlip xmlns:asvg="http://schemas.microsoft.com/office/drawing/2016/SVG/main" xmlns="" r:embed="rId3"/>
               </a:ext>
             </a:extLst>
           </a:blip>
@@ -3724,7 +3724,7 @@
         </p:blipFill>
         <p:spPr>
           <a:xfrm>
-            <a:off x="1137273" y="4969095"/>
+            <a:off x="1097280" y="4937760"/>
             <a:ext cx="597600" cy="597600"/>
           </a:xfrm>
           <a:prstGeom prst="rect">
@@ -3758,7 +3758,7 @@
         </p:blipFill>
         <p:spPr>
           <a:xfrm>
-            <a:off x="1134896" y="3514504"/>
+            <a:off x="1097280" y="3566160"/>
             <a:ext cx="599800" cy="599800"/>
           </a:xfrm>
           <a:prstGeom prst="rect">
@@ -3996,7 +3996,7 @@
         </p:nvSpPr>
         <p:spPr>
           <a:xfrm>
-            <a:off x="4912061" y="3419647"/>
+            <a:off x="4963160" y="3566160"/>
             <a:ext cx="912334" cy="290100"/>
           </a:xfrm>
           <a:prstGeom prst="rect">
@@ -4048,7 +4048,7 @@
         </p:nvSpPr>
         <p:spPr>
           <a:xfrm>
-            <a:off x="631434" y="5547253"/>
+            <a:off x="590794" y="5486400"/>
             <a:ext cx="1609278" cy="290100"/>
           </a:xfrm>
           <a:prstGeom prst="rect">
@@ -4086,44 +4086,6 @@
           </a:p>
         </p:txBody>
       </p:sp>
-      <p:cxnSp>
-        <p:nvCxnSpPr>
-          <p:cNvPr id="38" name="Google Shape;255;p24">
-            <a:extLst>
-              <a:ext uri="{FF2B5EF4-FFF2-40B4-BE49-F238E27FC236}">
-                <a16:creationId xmlns:a16="http://schemas.microsoft.com/office/drawing/2014/main" id="{6F44A0DA-4E02-BA48-B90E-C9F2768C6EF9}"/>
-              </a:ext>
-            </a:extLst>
-          </p:cNvPr>
-          <p:cNvCxnSpPr>
-            <a:cxnSpLocks/>
-            <a:stCxn id="16" idx="2"/>
-            <a:endCxn id="15" idx="0"/>
-          </p:cNvCxnSpPr>
-          <p:nvPr/>
-        </p:nvCxnSpPr>
-        <p:spPr>
-          <a:xfrm rot="16200000" flipH="1">
-            <a:off x="1008039" y="4541060"/>
-            <a:ext cx="854791" cy="1277"/>
-          </a:xfrm>
-          <a:prstGeom prst="bentConnector3">
-            <a:avLst>
-              <a:gd name="adj1" fmla="val 50000"/>
-            </a:avLst>
-          </a:prstGeom>
-          <a:noFill/>
-          <a:ln w="28575" cap="flat" cmpd="sng">
-            <a:solidFill>
-              <a:srgbClr val="999999"/>
-            </a:solidFill>
-            <a:prstDash val="dash"/>
-            <a:round/>
-            <a:headEnd type="none" w="med" len="med"/>
-            <a:tailEnd type="triangle" w="med" len="med"/>
-          </a:ln>
-        </p:spPr>
-      </p:cxnSp>
       <p:pic>
         <p:nvPicPr>
           <p:cNvPr id="64" name="Graphic 63">
@@ -4142,7 +4104,7 @@
           <a:blip r:embed="rId9">
             <a:extLst>
               <a:ext uri="{96DAC541-7B7A-43D3-8B79-37D633B846F1}">
-                <asvg:svgBlip xmlns:asvg="http://schemas.microsoft.com/office/drawing/2016/SVG/main" r:embed="rId10"/>
+                <asvg:svgBlip xmlns:asvg="http://schemas.microsoft.com/office/drawing/2016/SVG/main" xmlns="" r:embed="rId10"/>
               </a:ext>
             </a:extLst>
           </a:blip>
@@ -4174,7 +4136,7 @@
         </p:nvSpPr>
         <p:spPr>
           <a:xfrm>
-            <a:off x="4669427" y="2046834"/>
+            <a:off x="4709160" y="2011680"/>
             <a:ext cx="1419128" cy="290100"/>
           </a:xfrm>
           <a:prstGeom prst="rect">
@@ -4232,7 +4194,7 @@
         </p:nvSpPr>
         <p:spPr>
           <a:xfrm>
-            <a:off x="2612163" y="4288362"/>
+            <a:off x="2585720" y="4480560"/>
             <a:ext cx="1800563" cy="290100"/>
           </a:xfrm>
           <a:prstGeom prst="rect">
@@ -4281,28 +4243,28 @@
           </p:cNvPr>
           <p:cNvCxnSpPr>
             <a:cxnSpLocks/>
-            <a:stCxn id="81" idx="3"/>
-            <a:endCxn id="65" idx="1"/>
+            <a:stCxn id="64" idx="3"/>
+            <a:endCxn id="96" idx="1"/>
           </p:cNvCxnSpPr>
           <p:nvPr/>
         </p:nvCxnSpPr>
         <p:spPr>
           <a:xfrm flipV="1">
-            <a:off x="3917800" y="2191884"/>
-            <a:ext cx="751627" cy="3031"/>
+            <a:off x="3490102" y="1773238"/>
+            <a:ext cx="1749757" cy="736"/>
           </a:xfrm>
           <a:prstGeom prst="straightConnector1">
             <a:avLst/>
           </a:prstGeom>
           <a:noFill/>
-          <a:ln w="28575" cap="flat" cmpd="sng">
+          <a:ln w="12700" cap="flat" cmpd="sng">
             <a:solidFill>
               <a:schemeClr val="dk2"/>
             </a:solidFill>
             <a:prstDash val="solid"/>
-            <a:round/>
-            <a:headEnd type="triangle" w="med" len="med"/>
-            <a:tailEnd type="triangle" w="med" len="med"/>
+            <a:miter lim="800000"/>
+            <a:headEnd type="arrow" w="med" len="sm"/>
+            <a:tailEnd type="arrow" w="med" len="sm"/>
           </a:ln>
         </p:spPr>
       </p:cxnSp>
@@ -4386,7 +4348,7 @@
         </p:blipFill>
         <p:spPr>
           <a:xfrm>
-            <a:off x="3244599" y="3748712"/>
+            <a:off x="3195206" y="3931920"/>
             <a:ext cx="597831" cy="597825"/>
           </a:xfrm>
           <a:prstGeom prst="rect">
@@ -4412,7 +4374,7 @@
         </p:nvSpPr>
         <p:spPr>
           <a:xfrm>
-            <a:off x="3841186" y="4275804"/>
+            <a:off x="3789680" y="4480560"/>
             <a:ext cx="1239995" cy="290100"/>
           </a:xfrm>
           <a:prstGeom prst="rect">
@@ -4472,7 +4434,7 @@
         </p:blipFill>
         <p:spPr>
           <a:xfrm>
-            <a:off x="4162655" y="3736154"/>
+            <a:off x="4114800" y="3931920"/>
             <a:ext cx="597831" cy="597825"/>
           </a:xfrm>
           <a:prstGeom prst="rect">
@@ -4498,7 +4460,7 @@
         </p:nvSpPr>
         <p:spPr>
           <a:xfrm>
-            <a:off x="4070585" y="3419337"/>
+            <a:off x="4033520" y="3566160"/>
             <a:ext cx="761789" cy="290100"/>
           </a:xfrm>
           <a:prstGeom prst="rect">
@@ -4558,7 +4520,7 @@
         </p:blipFill>
         <p:spPr>
           <a:xfrm>
-            <a:off x="4155380" y="2890434"/>
+            <a:off x="4114800" y="3017520"/>
             <a:ext cx="597831" cy="597825"/>
           </a:xfrm>
           <a:prstGeom prst="rect">
@@ -4584,7 +4546,7 @@
         </p:nvSpPr>
         <p:spPr>
           <a:xfrm>
-            <a:off x="4780942" y="4273238"/>
+            <a:off x="4760622" y="4480560"/>
             <a:ext cx="1317692" cy="290100"/>
           </a:xfrm>
           <a:prstGeom prst="rect">
@@ -4644,7 +4606,7 @@
         </p:blipFill>
         <p:spPr>
           <a:xfrm>
-            <a:off x="5102411" y="3733588"/>
+            <a:off x="5120640" y="3931920"/>
             <a:ext cx="597831" cy="597825"/>
           </a:xfrm>
           <a:prstGeom prst="rect">
@@ -4822,7 +4784,7 @@
         </p:blipFill>
         <p:spPr>
           <a:xfrm>
-            <a:off x="5071435" y="2890434"/>
+            <a:off x="5120640" y="3017520"/>
             <a:ext cx="597831" cy="597825"/>
           </a:xfrm>
           <a:prstGeom prst="rect">
@@ -4856,7 +4818,7 @@
         </p:blipFill>
         <p:spPr>
           <a:xfrm>
-            <a:off x="6204393" y="3709437"/>
+            <a:off x="6217920" y="3931920"/>
             <a:ext cx="599803" cy="599800"/>
           </a:xfrm>
           <a:prstGeom prst="rect">
@@ -4882,7 +4844,7 @@
         </p:nvSpPr>
         <p:spPr>
           <a:xfrm>
-            <a:off x="5905926" y="4257721"/>
+            <a:off x="5905926" y="4480560"/>
             <a:ext cx="1239995" cy="290100"/>
           </a:xfrm>
           <a:prstGeom prst="rect">
@@ -4938,7 +4900,7 @@
           <a:blip r:embed="rId14">
             <a:extLst>
               <a:ext uri="{96DAC541-7B7A-43D3-8B79-37D633B846F1}">
-                <asvg:svgBlip xmlns:asvg="http://schemas.microsoft.com/office/drawing/2016/SVG/main" r:embed="rId15"/>
+                <asvg:svgBlip xmlns:asvg="http://schemas.microsoft.com/office/drawing/2016/SVG/main" xmlns="" r:embed="rId15"/>
               </a:ext>
             </a:extLst>
           </a:blip>
@@ -4948,7 +4910,7 @@
         </p:blipFill>
         <p:spPr>
           <a:xfrm>
-            <a:off x="5194139" y="1591945"/>
+            <a:off x="5239859" y="1597025"/>
             <a:ext cx="352425" cy="352425"/>
           </a:xfrm>
           <a:prstGeom prst="rect">
@@ -4974,21 +4936,21 @@
         </p:nvCxnSpPr>
         <p:spPr>
           <a:xfrm>
-            <a:off x="4753211" y="3189347"/>
-            <a:ext cx="318224" cy="0"/>
+            <a:off x="4712631" y="3316433"/>
+            <a:ext cx="408009" cy="0"/>
           </a:xfrm>
           <a:prstGeom prst="straightConnector1">
             <a:avLst/>
           </a:prstGeom>
           <a:noFill/>
-          <a:ln w="28575" cap="flat" cmpd="sng">
+          <a:ln w="12700" cap="flat" cmpd="sng">
             <a:solidFill>
               <a:schemeClr val="dk2"/>
             </a:solidFill>
             <a:prstDash val="solid"/>
-            <a:round/>
-            <a:headEnd type="triangle" w="med" len="med"/>
-            <a:tailEnd type="triangle" w="med" len="med"/>
+            <a:miter lim="800000"/>
+            <a:headEnd type="arrow" w="med" len="sm"/>
+            <a:tailEnd type="arrow" w="med" len="sm"/>
           </a:ln>
         </p:spPr>
       </p:cxnSp>
@@ -5009,22 +4971,22 @@
           <p:nvPr/>
         </p:nvCxnSpPr>
         <p:spPr>
-          <a:xfrm flipV="1">
-            <a:off x="5370351" y="2336934"/>
-            <a:ext cx="8640" cy="553500"/>
+          <a:xfrm flipH="1" flipV="1">
+            <a:off x="5418724" y="2301780"/>
+            <a:ext cx="832" cy="715740"/>
           </a:xfrm>
           <a:prstGeom prst="straightConnector1">
             <a:avLst/>
           </a:prstGeom>
           <a:noFill/>
-          <a:ln w="28575" cap="flat" cmpd="sng">
+          <a:ln w="12700" cap="flat" cmpd="sng">
             <a:solidFill>
               <a:schemeClr val="dk2"/>
             </a:solidFill>
             <a:prstDash val="solid"/>
-            <a:round/>
-            <a:headEnd type="triangle" w="med" len="med"/>
-            <a:tailEnd type="triangle" w="med" len="med"/>
+            <a:miter lim="800000"/>
+            <a:headEnd type="arrow" w="med" len="sm"/>
+            <a:tailEnd type="arrow" w="med" len="sm"/>
           </a:ln>
         </p:spPr>
       </p:cxnSp>
@@ -5050,7 +5012,7 @@
         </p:blipFill>
         <p:spPr>
           <a:xfrm>
-            <a:off x="2141160" y="4954927"/>
+            <a:off x="2103120" y="4937760"/>
             <a:ext cx="597600" cy="597600"/>
           </a:xfrm>
           <a:prstGeom prst="rect">
@@ -5076,7 +5038,7 @@
         </p:nvSpPr>
         <p:spPr>
           <a:xfrm>
-            <a:off x="1635321" y="5533085"/>
+            <a:off x="1600200" y="5486400"/>
             <a:ext cx="1609278" cy="290100"/>
           </a:xfrm>
           <a:prstGeom prst="rect">
@@ -5136,7 +5098,7 @@
         </p:blipFill>
         <p:spPr>
           <a:xfrm>
-            <a:off x="3110032" y="4954927"/>
+            <a:off x="3110032" y="4937760"/>
             <a:ext cx="597600" cy="597600"/>
           </a:xfrm>
           <a:prstGeom prst="rect">
@@ -5162,7 +5124,7 @@
         </p:nvSpPr>
         <p:spPr>
           <a:xfrm>
-            <a:off x="2604193" y="5533085"/>
+            <a:off x="2606040" y="5486400"/>
             <a:ext cx="1609278" cy="290100"/>
           </a:xfrm>
           <a:prstGeom prst="rect">
@@ -5197,6 +5159,100 @@
               </a:rPr>
               <a:t>consul-ca-cert</a:t>
             </a:r>
+          </a:p>
+        </p:txBody>
+      </p:sp>
+      <p:cxnSp>
+        <p:nvCxnSpPr>
+          <p:cNvPr id="47" name="Google Shape;401;p28">
+            <a:extLst>
+              <a:ext uri="{FF2B5EF4-FFF2-40B4-BE49-F238E27FC236}">
+                <a16:creationId xmlns:a16="http://schemas.microsoft.com/office/drawing/2014/main" id="{70FE6CCC-6AA2-E247-A1CA-A2BDB2C12775}"/>
+              </a:ext>
+            </a:extLst>
+          </p:cNvPr>
+          <p:cNvCxnSpPr>
+            <a:cxnSpLocks/>
+            <a:stCxn id="16" idx="2"/>
+            <a:endCxn id="15" idx="0"/>
+          </p:cNvCxnSpPr>
+          <p:nvPr/>
+        </p:nvCxnSpPr>
+        <p:spPr>
+          <a:xfrm flipH="1">
+            <a:off x="1396080" y="4165960"/>
+            <a:ext cx="1100" cy="771800"/>
+          </a:xfrm>
+          <a:prstGeom prst="straightConnector1">
+            <a:avLst/>
+          </a:prstGeom>
+          <a:noFill/>
+          <a:ln w="12700" cap="flat" cmpd="sng">
+            <a:solidFill>
+              <a:schemeClr val="dk2"/>
+            </a:solidFill>
+            <a:prstDash val="dash"/>
+            <a:miter lim="800000"/>
+            <a:headEnd type="none" w="med" len="sm"/>
+            <a:tailEnd type="arrow" w="med" len="sm"/>
+          </a:ln>
+        </p:spPr>
+      </p:cxnSp>
+      <p:sp>
+        <p:nvSpPr>
+          <p:cNvPr id="56" name="Google Shape;413;p28">
+            <a:extLst>
+              <a:ext uri="{FF2B5EF4-FFF2-40B4-BE49-F238E27FC236}">
+                <a16:creationId xmlns:a16="http://schemas.microsoft.com/office/drawing/2014/main" id="{9004DDB1-E10F-624A-8139-800CC45A72C7}"/>
+              </a:ext>
+            </a:extLst>
+          </p:cNvPr>
+          <p:cNvSpPr txBox="1"/>
+          <p:nvPr/>
+        </p:nvSpPr>
+        <p:spPr>
+          <a:xfrm>
+            <a:off x="7115936" y="2729758"/>
+            <a:ext cx="953042" cy="290100"/>
+          </a:xfrm>
+          <a:prstGeom prst="rect">
+            <a:avLst/>
+          </a:prstGeom>
+          <a:noFill/>
+          <a:ln>
+            <a:noFill/>
+          </a:ln>
+        </p:spPr>
+        <p:txBody>
+          <a:bodyPr spcFirstLastPara="1" wrap="square" lIns="91425" tIns="91425" rIns="91425" bIns="91425" anchor="ctr" anchorCtr="0">
+            <a:noAutofit/>
+          </a:bodyPr>
+          <a:lstStyle/>
+          <a:p>
+            <a:pPr marL="0" lvl="0" indent="0" algn="ctr" rtl="0">
+              <a:spcBef>
+                <a:spcPts val="0"/>
+              </a:spcBef>
+              <a:spcAft>
+                <a:spcPts val="0"/>
+              </a:spcAft>
+              <a:buNone/>
+            </a:pPr>
+            <a:r>
+              <a:rPr lang="en-US" sz="900" smtClean="0">
+                <a:latin typeface="Consolas"/>
+                <a:ea typeface="Consolas"/>
+                <a:cs typeface="Consolas"/>
+                <a:sym typeface="Consolas"/>
+              </a:rPr>
+              <a:t>Amazon EKS</a:t>
+            </a:r>
+            <a:endParaRPr sz="900" dirty="0">
+              <a:latin typeface="Consolas"/>
+              <a:ea typeface="Consolas"/>
+              <a:cs typeface="Consolas"/>
+              <a:sym typeface="Consolas"/>
+            </a:endParaRPr>
           </a:p>
         </p:txBody>
       </p:sp>
